--- a/CS691 Final Presentation/16. Github Repository.pptx
+++ b/CS691 Final Presentation/16. Github Repository.pptx
@@ -9,7 +9,8 @@
     <p:sldId id="257" r:id="rId3"/>
     <p:sldId id="258" r:id="rId4"/>
     <p:sldId id="259" r:id="rId5"/>
-    <p:sldId id="260" r:id="rId6"/>
+    <p:sldId id="261" r:id="rId6"/>
+    <p:sldId id="260" r:id="rId7"/>
   </p:sldIdLst>
   <p:sldSz cx="12192000" cy="6858000"/>
   <p:notesSz cx="6858000" cy="9144000"/>
@@ -121,130 +122,9 @@
   <p1510:revLst>
     <p1510:client id="{096AFA54-635F-EA6F-5A3B-26E6A7FB2D40}" v="3" dt="2022-12-19T02:37:46.019"/>
     <p1510:client id="{30B19810-14F3-EE93-024A-37D2EAB98460}" v="25" dt="2022-12-19T04:08:54.645"/>
+    <p1510:client id="{89E9241C-C992-7B20-27C5-54BDBD372817}" v="14" dt="2022-12-19T05:10:48.792"/>
   </p1510:revLst>
 </p1510:revInfo>
-</file>
-
-<file path=ppt/changesInfos/changesInfo1.xml><?xml version="1.0" encoding="utf-8"?>
-<pc:chgInfo xmlns:a="http://schemas.openxmlformats.org/drawingml/2006/main" xmlns:r="http://schemas.openxmlformats.org/officeDocument/2006/relationships" xmlns:ac="http://schemas.microsoft.com/office/drawing/2013/main/command" xmlns:pc="http://schemas.microsoft.com/office/powerpoint/2013/main/command">
-  <pc:docChgLst>
-    <pc:chgData name="Lalamiah, Ms. Asma Batool" userId="S::al47564n@pace.edu::8ee87756-47db-4d59-a40c-c37846c5cd33" providerId="AD" clId="Web-{30B19810-14F3-EE93-024A-37D2EAB98460}"/>
-    <pc:docChg chg="addSld modSld">
-      <pc:chgData name="Lalamiah, Ms. Asma Batool" userId="S::al47564n@pace.edu::8ee87756-47db-4d59-a40c-c37846c5cd33" providerId="AD" clId="Web-{30B19810-14F3-EE93-024A-37D2EAB98460}" dt="2022-12-19T04:08:54.645" v="23" actId="14100"/>
-      <pc:docMkLst>
-        <pc:docMk/>
-      </pc:docMkLst>
-      <pc:sldChg chg="modSp">
-        <pc:chgData name="Lalamiah, Ms. Asma Batool" userId="S::al47564n@pace.edu::8ee87756-47db-4d59-a40c-c37846c5cd33" providerId="AD" clId="Web-{30B19810-14F3-EE93-024A-37D2EAB98460}" dt="2022-12-19T04:08:54.645" v="23" actId="14100"/>
-        <pc:sldMkLst>
-          <pc:docMk/>
-          <pc:sldMk cId="1091129643" sldId="257"/>
-        </pc:sldMkLst>
-        <pc:picChg chg="mod">
-          <ac:chgData name="Lalamiah, Ms. Asma Batool" userId="S::al47564n@pace.edu::8ee87756-47db-4d59-a40c-c37846c5cd33" providerId="AD" clId="Web-{30B19810-14F3-EE93-024A-37D2EAB98460}" dt="2022-12-19T04:08:54.645" v="23" actId="14100"/>
-          <ac:picMkLst>
-            <pc:docMk/>
-            <pc:sldMk cId="1091129643" sldId="257"/>
-            <ac:picMk id="12" creationId="{E096CD1A-8AB7-68BB-49E6-2C43F122644F}"/>
-          </ac:picMkLst>
-        </pc:picChg>
-      </pc:sldChg>
-      <pc:sldChg chg="addSp delSp modSp">
-        <pc:chgData name="Lalamiah, Ms. Asma Batool" userId="S::al47564n@pace.edu::8ee87756-47db-4d59-a40c-c37846c5cd33" providerId="AD" clId="Web-{30B19810-14F3-EE93-024A-37D2EAB98460}" dt="2022-12-19T04:08:45.144" v="20" actId="14100"/>
-        <pc:sldMkLst>
-          <pc:docMk/>
-          <pc:sldMk cId="2513805523" sldId="258"/>
-        </pc:sldMkLst>
-        <pc:picChg chg="add mod">
-          <ac:chgData name="Lalamiah, Ms. Asma Batool" userId="S::al47564n@pace.edu::8ee87756-47db-4d59-a40c-c37846c5cd33" providerId="AD" clId="Web-{30B19810-14F3-EE93-024A-37D2EAB98460}" dt="2022-12-19T04:08:45.144" v="20" actId="14100"/>
-          <ac:picMkLst>
-            <pc:docMk/>
-            <pc:sldMk cId="2513805523" sldId="258"/>
-            <ac:picMk id="2" creationId="{411256B6-9B48-FEAA-A818-F235B5B977FB}"/>
-          </ac:picMkLst>
-        </pc:picChg>
-        <pc:picChg chg="del">
-          <ac:chgData name="Lalamiah, Ms. Asma Batool" userId="S::al47564n@pace.edu::8ee87756-47db-4d59-a40c-c37846c5cd33" providerId="AD" clId="Web-{30B19810-14F3-EE93-024A-37D2EAB98460}" dt="2022-12-19T04:07:55.516" v="7"/>
-          <ac:picMkLst>
-            <pc:docMk/>
-            <pc:sldMk cId="2513805523" sldId="258"/>
-            <ac:picMk id="5" creationId="{A585FE02-7F9E-D058-30D3-A2C618189B76}"/>
-          </ac:picMkLst>
-        </pc:picChg>
-      </pc:sldChg>
-      <pc:sldChg chg="modSp">
-        <pc:chgData name="Lalamiah, Ms. Asma Batool" userId="S::al47564n@pace.edu::8ee87756-47db-4d59-a40c-c37846c5cd33" providerId="AD" clId="Web-{30B19810-14F3-EE93-024A-37D2EAB98460}" dt="2022-12-19T04:08:30.940" v="17" actId="14100"/>
-        <pc:sldMkLst>
-          <pc:docMk/>
-          <pc:sldMk cId="1445659835" sldId="259"/>
-        </pc:sldMkLst>
-        <pc:picChg chg="mod">
-          <ac:chgData name="Lalamiah, Ms. Asma Batool" userId="S::al47564n@pace.edu::8ee87756-47db-4d59-a40c-c37846c5cd33" providerId="AD" clId="Web-{30B19810-14F3-EE93-024A-37D2EAB98460}" dt="2022-12-19T04:08:30.940" v="17" actId="14100"/>
-          <ac:picMkLst>
-            <pc:docMk/>
-            <pc:sldMk cId="1445659835" sldId="259"/>
-            <ac:picMk id="5" creationId="{9C596809-BA08-34CB-1C59-F60804B62F57}"/>
-          </ac:picMkLst>
-        </pc:picChg>
-      </pc:sldChg>
-      <pc:sldChg chg="addSp delSp modSp add replId">
-        <pc:chgData name="Lalamiah, Ms. Asma Batool" userId="S::al47564n@pace.edu::8ee87756-47db-4d59-a40c-c37846c5cd33" providerId="AD" clId="Web-{30B19810-14F3-EE93-024A-37D2EAB98460}" dt="2022-12-19T04:08:19.721" v="14" actId="14100"/>
-        <pc:sldMkLst>
-          <pc:docMk/>
-          <pc:sldMk cId="2886754285" sldId="260"/>
-        </pc:sldMkLst>
-        <pc:picChg chg="add mod">
-          <ac:chgData name="Lalamiah, Ms. Asma Batool" userId="S::al47564n@pace.edu::8ee87756-47db-4d59-a40c-c37846c5cd33" providerId="AD" clId="Web-{30B19810-14F3-EE93-024A-37D2EAB98460}" dt="2022-12-19T04:08:19.721" v="14" actId="14100"/>
-          <ac:picMkLst>
-            <pc:docMk/>
-            <pc:sldMk cId="2886754285" sldId="260"/>
-            <ac:picMk id="2" creationId="{0A1A8D23-06FD-5413-BD89-F694C20B5FE9}"/>
-          </ac:picMkLst>
-        </pc:picChg>
-        <pc:picChg chg="del">
-          <ac:chgData name="Lalamiah, Ms. Asma Batool" userId="S::al47564n@pace.edu::8ee87756-47db-4d59-a40c-c37846c5cd33" providerId="AD" clId="Web-{30B19810-14F3-EE93-024A-37D2EAB98460}" dt="2022-12-19T04:07:19.654" v="1"/>
-          <ac:picMkLst>
-            <pc:docMk/>
-            <pc:sldMk cId="2886754285" sldId="260"/>
-            <ac:picMk id="5" creationId="{9C596809-BA08-34CB-1C59-F60804B62F57}"/>
-          </ac:picMkLst>
-        </pc:picChg>
-      </pc:sldChg>
-    </pc:docChg>
-  </pc:docChgLst>
-  <pc:docChgLst>
-    <pc:chgData name="Lalamiah, Ms. Asma Batool" userId="S::al47564n@pace.edu::8ee87756-47db-4d59-a40c-c37846c5cd33" providerId="AD" clId="Web-{096AFA54-635F-EA6F-5A3B-26E6A7FB2D40}"/>
-    <pc:docChg chg="modSld">
-      <pc:chgData name="Lalamiah, Ms. Asma Batool" userId="S::al47564n@pace.edu::8ee87756-47db-4d59-a40c-c37846c5cd33" providerId="AD" clId="Web-{096AFA54-635F-EA6F-5A3B-26E6A7FB2D40}" dt="2022-12-19T02:37:46.019" v="2" actId="1076"/>
-      <pc:docMkLst>
-        <pc:docMk/>
-      </pc:docMkLst>
-      <pc:sldChg chg="modSp">
-        <pc:chgData name="Lalamiah, Ms. Asma Batool" userId="S::al47564n@pace.edu::8ee87756-47db-4d59-a40c-c37846c5cd33" providerId="AD" clId="Web-{096AFA54-635F-EA6F-5A3B-26E6A7FB2D40}" dt="2022-12-19T02:37:46.019" v="2" actId="1076"/>
-        <pc:sldMkLst>
-          <pc:docMk/>
-          <pc:sldMk cId="1091129643" sldId="257"/>
-        </pc:sldMkLst>
-        <pc:spChg chg="mod">
-          <ac:chgData name="Lalamiah, Ms. Asma Batool" userId="S::al47564n@pace.edu::8ee87756-47db-4d59-a40c-c37846c5cd33" providerId="AD" clId="Web-{096AFA54-635F-EA6F-5A3B-26E6A7FB2D40}" dt="2022-12-19T02:37:46.019" v="2" actId="1076"/>
-          <ac:spMkLst>
-            <pc:docMk/>
-            <pc:sldMk cId="1091129643" sldId="257"/>
-            <ac:spMk id="14" creationId="{4618EFB6-E304-2DCC-C5FF-490BF4E324FF}"/>
-          </ac:spMkLst>
-        </pc:spChg>
-        <pc:picChg chg="mod">
-          <ac:chgData name="Lalamiah, Ms. Asma Batool" userId="S::al47564n@pace.edu::8ee87756-47db-4d59-a40c-c37846c5cd33" providerId="AD" clId="Web-{096AFA54-635F-EA6F-5A3B-26E6A7FB2D40}" dt="2022-12-19T02:37:41.784" v="1" actId="1076"/>
-          <ac:picMkLst>
-            <pc:docMk/>
-            <pc:sldMk cId="1091129643" sldId="257"/>
-            <ac:picMk id="12" creationId="{E096CD1A-8AB7-68BB-49E6-2C43F122644F}"/>
-          </ac:picMkLst>
-        </pc:picChg>
-      </pc:sldChg>
-    </pc:docChg>
-  </pc:docChgLst>
-</pc:chgInfo>
 </file>
 
 <file path=ppt/slideLayouts/slideLayout1.xml><?xml version="1.0" encoding="utf-8"?>
@@ -6253,10 +6133,10 @@
       </p:grpSpPr>
       <p:pic>
         <p:nvPicPr>
-          <p:cNvPr id="2" name="Picture 2">
+          <p:cNvPr id="2" name="Picture 2" descr="Graphical user interface, application&#10;&#10;Description automatically generated">
             <a:extLst>
               <a:ext uri="{FF2B5EF4-FFF2-40B4-BE49-F238E27FC236}">
-                <a16:creationId xmlns:a16="http://schemas.microsoft.com/office/drawing/2014/main" id="{0A1A8D23-06FD-5413-BD89-F694C20B5FE9}"/>
+                <a16:creationId xmlns:a16="http://schemas.microsoft.com/office/drawing/2014/main" id="{1AE1860C-DF16-CA48-8DD9-C01FA7023CB5}"/>
               </a:ext>
             </a:extLst>
           </p:cNvPr>
@@ -6273,8 +6153,68 @@
         </p:blipFill>
         <p:spPr>
           <a:xfrm>
-            <a:off x="625877" y="998022"/>
-            <a:ext cx="8476693" cy="4795373"/>
+            <a:off x="847818" y="1126582"/>
+            <a:ext cx="8484092" cy="5107903"/>
+          </a:xfrm>
+          <a:prstGeom prst="rect">
+            <a:avLst/>
+          </a:prstGeom>
+        </p:spPr>
+      </p:pic>
+    </p:spTree>
+    <p:extLst>
+      <p:ext uri="{BB962C8B-B14F-4D97-AF65-F5344CB8AC3E}">
+        <p14:creationId xmlns:p14="http://schemas.microsoft.com/office/powerpoint/2010/main" val="141116469"/>
+      </p:ext>
+    </p:extLst>
+  </p:cSld>
+  <p:clrMapOvr>
+    <a:masterClrMapping/>
+  </p:clrMapOvr>
+</p:sld>
+</file>
+
+<file path=ppt/slides/slide6.xml><?xml version="1.0" encoding="utf-8"?>
+<p:sld xmlns:a="http://schemas.openxmlformats.org/drawingml/2006/main" xmlns:r="http://schemas.openxmlformats.org/officeDocument/2006/relationships" xmlns:p="http://schemas.openxmlformats.org/presentationml/2006/main">
+  <p:cSld>
+    <p:spTree>
+      <p:nvGrpSpPr>
+        <p:cNvPr id="1" name=""/>
+        <p:cNvGrpSpPr/>
+        <p:nvPr/>
+      </p:nvGrpSpPr>
+      <p:grpSpPr>
+        <a:xfrm>
+          <a:off x="0" y="0"/>
+          <a:ext cx="0" cy="0"/>
+          <a:chOff x="0" y="0"/>
+          <a:chExt cx="0" cy="0"/>
+        </a:xfrm>
+      </p:grpSpPr>
+      <p:pic>
+        <p:nvPicPr>
+          <p:cNvPr id="3" name="Picture 3">
+            <a:extLst>
+              <a:ext uri="{FF2B5EF4-FFF2-40B4-BE49-F238E27FC236}">
+                <a16:creationId xmlns:a16="http://schemas.microsoft.com/office/drawing/2014/main" id="{B3DED9CD-1377-59AC-5647-D8CA9E1B838F}"/>
+              </a:ext>
+            </a:extLst>
+          </p:cNvPr>
+          <p:cNvPicPr>
+            <a:picLocks noChangeAspect="1"/>
+          </p:cNvPicPr>
+          <p:nvPr/>
+        </p:nvPicPr>
+        <p:blipFill>
+          <a:blip r:embed="rId2"/>
+          <a:stretch>
+            <a:fillRect/>
+          </a:stretch>
+        </p:blipFill>
+        <p:spPr>
+          <a:xfrm>
+            <a:off x="596284" y="1087116"/>
+            <a:ext cx="9179510" cy="5112855"/>
           </a:xfrm>
           <a:prstGeom prst="rect">
             <a:avLst/>
